--- a/make_presentation/templates/templates/classic/_24.pptx
+++ b/make_presentation/templates/templates/classic/_24.pptx
@@ -315,7 +315,7 @@
             <a:pPr algn="r">
               <a:buNone/>
             </a:pPr>
-            <a:fld id="{3B4E9630-B863-47A1-9770-8BEEA6891E23}" type="slidenum">
+            <a:fld id="{9B88E7B8-2C9B-4443-A9BC-520DBA3A9C21}" type="slidenum">
               <a:rPr b="0" lang="en-US" sz="1400" spc="-1" strike="noStrike">
                 <a:latin typeface="Times New Roman"/>
               </a:rPr>
@@ -363,7 +363,7 @@
         <p:spPr>
           <a:xfrm>
             <a:off x="380880" y="685800"/>
-            <a:ext cx="6091920" cy="3425040"/>
+            <a:ext cx="6091560" cy="3424680"/>
           </a:xfrm>
           <a:prstGeom prst="rect">
             <a:avLst/>
@@ -386,7 +386,7 @@
         <p:spPr>
           <a:xfrm>
             <a:off x="685800" y="4343400"/>
-            <a:ext cx="5482440" cy="4110840"/>
+            <a:ext cx="5482080" cy="4110480"/>
           </a:xfrm>
           <a:prstGeom prst="rect">
             <a:avLst/>
@@ -420,7 +420,7 @@
         <p:spPr>
           <a:xfrm>
             <a:off x="3884760" y="8685360"/>
-            <a:ext cx="2967840" cy="453240"/>
+            <a:ext cx="2967480" cy="452880"/>
           </a:xfrm>
           <a:prstGeom prst="rect">
             <a:avLst/>
@@ -456,7 +456,7 @@
               </a:lnSpc>
               <a:buNone/>
             </a:pPr>
-            <a:fld id="{79ED2EE0-B9F3-4E91-ADBF-3E5C1D248ABD}" type="slidenum">
+            <a:fld id="{9D68E8C2-D0A9-4D03-9FF0-A0227C348C9A}" type="slidenum">
               <a:rPr b="0" lang="en-US" sz="1200" spc="-1" strike="noStrike">
                 <a:solidFill>
                   <a:srgbClr val="000000"/>
@@ -507,7 +507,7 @@
         <p:spPr>
           <a:xfrm>
             <a:off x="380880" y="685800"/>
-            <a:ext cx="6091920" cy="3425040"/>
+            <a:ext cx="6091560" cy="3424680"/>
           </a:xfrm>
           <a:prstGeom prst="rect">
             <a:avLst/>
@@ -530,7 +530,7 @@
         <p:spPr>
           <a:xfrm>
             <a:off x="685800" y="4343400"/>
-            <a:ext cx="5482440" cy="4110840"/>
+            <a:ext cx="5482080" cy="4110480"/>
           </a:xfrm>
           <a:prstGeom prst="rect">
             <a:avLst/>
@@ -564,7 +564,7 @@
         <p:spPr>
           <a:xfrm>
             <a:off x="3884760" y="8685360"/>
-            <a:ext cx="2967840" cy="453240"/>
+            <a:ext cx="2967480" cy="452880"/>
           </a:xfrm>
           <a:prstGeom prst="rect">
             <a:avLst/>
@@ -600,7 +600,7 @@
               </a:lnSpc>
               <a:buNone/>
             </a:pPr>
-            <a:fld id="{2CCAEE82-02CB-4DC2-AFC2-74C7C266AC38}" type="slidenum">
+            <a:fld id="{6DD7DAB1-7E4B-4E4C-9E70-1D56345AB3C4}" type="slidenum">
               <a:rPr b="0" lang="en-US" sz="1200" spc="-1" strike="noStrike">
                 <a:solidFill>
                   <a:srgbClr val="000000"/>
@@ -651,7 +651,7 @@
         <p:spPr>
           <a:xfrm>
             <a:off x="380880" y="685800"/>
-            <a:ext cx="6091920" cy="3425040"/>
+            <a:ext cx="6091560" cy="3424680"/>
           </a:xfrm>
           <a:prstGeom prst="rect">
             <a:avLst/>
@@ -674,7 +674,7 @@
         <p:spPr>
           <a:xfrm>
             <a:off x="685800" y="4343400"/>
-            <a:ext cx="5482440" cy="4110840"/>
+            <a:ext cx="5482080" cy="4110480"/>
           </a:xfrm>
           <a:prstGeom prst="rect">
             <a:avLst/>
@@ -708,7 +708,7 @@
         <p:spPr>
           <a:xfrm>
             <a:off x="3884760" y="8685360"/>
-            <a:ext cx="2967840" cy="453240"/>
+            <a:ext cx="2967480" cy="452880"/>
           </a:xfrm>
           <a:prstGeom prst="rect">
             <a:avLst/>
@@ -744,7 +744,7 @@
               </a:lnSpc>
               <a:buNone/>
             </a:pPr>
-            <a:fld id="{D0B39B63-71DF-4E77-9F17-4BE7854340B1}" type="slidenum">
+            <a:fld id="{C305D088-BA48-4348-B516-A0B0AA81DAF5}" type="slidenum">
               <a:rPr b="0" lang="en-US" sz="1200" spc="-1" strike="noStrike">
                 <a:solidFill>
                   <a:srgbClr val="000000"/>
@@ -795,7 +795,7 @@
         <p:spPr>
           <a:xfrm>
             <a:off x="380880" y="685800"/>
-            <a:ext cx="6091920" cy="3425040"/>
+            <a:ext cx="6091560" cy="3424680"/>
           </a:xfrm>
           <a:prstGeom prst="rect">
             <a:avLst/>
@@ -818,7 +818,7 @@
         <p:spPr>
           <a:xfrm>
             <a:off x="685800" y="4343400"/>
-            <a:ext cx="5482440" cy="4110840"/>
+            <a:ext cx="5482080" cy="4110480"/>
           </a:xfrm>
           <a:prstGeom prst="rect">
             <a:avLst/>
@@ -852,7 +852,7 @@
         <p:spPr>
           <a:xfrm>
             <a:off x="3884760" y="8685360"/>
-            <a:ext cx="2967840" cy="453240"/>
+            <a:ext cx="2967480" cy="452880"/>
           </a:xfrm>
           <a:prstGeom prst="rect">
             <a:avLst/>
@@ -888,7 +888,7 @@
               </a:lnSpc>
               <a:buNone/>
             </a:pPr>
-            <a:fld id="{DED3C509-F246-4972-9069-06B6BB764320}" type="slidenum">
+            <a:fld id="{62D941FE-2752-4D4E-A2DB-92D5AF1E9B03}" type="slidenum">
               <a:rPr b="0" lang="en-US" sz="1200" spc="-1" strike="noStrike">
                 <a:solidFill>
                   <a:srgbClr val="000000"/>
@@ -939,7 +939,7 @@
         <p:spPr>
           <a:xfrm>
             <a:off x="380880" y="685800"/>
-            <a:ext cx="6091920" cy="3425040"/>
+            <a:ext cx="6091560" cy="3424680"/>
           </a:xfrm>
           <a:prstGeom prst="rect">
             <a:avLst/>
@@ -962,7 +962,7 @@
         <p:spPr>
           <a:xfrm>
             <a:off x="685800" y="4343400"/>
-            <a:ext cx="5482440" cy="4110840"/>
+            <a:ext cx="5482080" cy="4110480"/>
           </a:xfrm>
           <a:prstGeom prst="rect">
             <a:avLst/>
@@ -996,7 +996,7 @@
         <p:spPr>
           <a:xfrm>
             <a:off x="3884760" y="8685360"/>
-            <a:ext cx="2967840" cy="453240"/>
+            <a:ext cx="2967480" cy="452880"/>
           </a:xfrm>
           <a:prstGeom prst="rect">
             <a:avLst/>
@@ -1032,7 +1032,7 @@
               </a:lnSpc>
               <a:buNone/>
             </a:pPr>
-            <a:fld id="{6FB54B4C-E28D-49E8-904C-E8BC17367BAD}" type="slidenum">
+            <a:fld id="{1BD5DF74-8CF4-4CD9-8E62-AD7D5D4F208B}" type="slidenum">
               <a:rPr b="0" lang="en-US" sz="1200" spc="-1" strike="noStrike">
                 <a:solidFill>
                   <a:srgbClr val="000000"/>
@@ -1083,7 +1083,7 @@
         <p:spPr>
           <a:xfrm>
             <a:off x="380880" y="685800"/>
-            <a:ext cx="6091920" cy="3425040"/>
+            <a:ext cx="6091560" cy="3424680"/>
           </a:xfrm>
           <a:prstGeom prst="rect">
             <a:avLst/>
@@ -1106,7 +1106,7 @@
         <p:spPr>
           <a:xfrm>
             <a:off x="685800" y="4343400"/>
-            <a:ext cx="5482440" cy="4110840"/>
+            <a:ext cx="5482080" cy="4110480"/>
           </a:xfrm>
           <a:prstGeom prst="rect">
             <a:avLst/>
@@ -1140,7 +1140,7 @@
         <p:spPr>
           <a:xfrm>
             <a:off x="3884760" y="8685360"/>
-            <a:ext cx="2967840" cy="453240"/>
+            <a:ext cx="2967480" cy="452880"/>
           </a:xfrm>
           <a:prstGeom prst="rect">
             <a:avLst/>
@@ -1176,7 +1176,7 @@
               </a:lnSpc>
               <a:buNone/>
             </a:pPr>
-            <a:fld id="{447B7EC6-A5F1-4EE3-A6C7-A95B5BF8CEE2}" type="slidenum">
+            <a:fld id="{0E4D1DA1-4226-498C-B1D9-594C385C1B5D}" type="slidenum">
               <a:rPr b="0" lang="en-US" sz="1200" spc="-1" strike="noStrike">
                 <a:solidFill>
                   <a:srgbClr val="000000"/>
@@ -1227,7 +1227,7 @@
         <p:spPr>
           <a:xfrm>
             <a:off x="380880" y="685800"/>
-            <a:ext cx="6091920" cy="3425040"/>
+            <a:ext cx="6091560" cy="3424680"/>
           </a:xfrm>
           <a:prstGeom prst="rect">
             <a:avLst/>
@@ -1250,7 +1250,7 @@
         <p:spPr>
           <a:xfrm>
             <a:off x="685800" y="4343400"/>
-            <a:ext cx="5482440" cy="4110840"/>
+            <a:ext cx="5482080" cy="4110480"/>
           </a:xfrm>
           <a:prstGeom prst="rect">
             <a:avLst/>
@@ -1284,7 +1284,7 @@
         <p:spPr>
           <a:xfrm>
             <a:off x="3884760" y="8685360"/>
-            <a:ext cx="2967840" cy="453240"/>
+            <a:ext cx="2967480" cy="452880"/>
           </a:xfrm>
           <a:prstGeom prst="rect">
             <a:avLst/>
@@ -1320,7 +1320,7 @@
               </a:lnSpc>
               <a:buNone/>
             </a:pPr>
-            <a:fld id="{5820B3F0-AD7D-4D9B-B318-7552550A2B23}" type="slidenum">
+            <a:fld id="{9BBF07E3-C31A-4ED2-9C80-4F29D63086D6}" type="slidenum">
               <a:rPr b="0" lang="en-US" sz="1200" spc="-1" strike="noStrike">
                 <a:solidFill>
                   <a:srgbClr val="000000"/>
@@ -1371,7 +1371,7 @@
         <p:spPr>
           <a:xfrm>
             <a:off x="380880" y="685800"/>
-            <a:ext cx="6091920" cy="3425040"/>
+            <a:ext cx="6091560" cy="3424680"/>
           </a:xfrm>
           <a:prstGeom prst="rect">
             <a:avLst/>
@@ -1394,7 +1394,7 @@
         <p:spPr>
           <a:xfrm>
             <a:off x="685800" y="4343400"/>
-            <a:ext cx="5482440" cy="4110840"/>
+            <a:ext cx="5482080" cy="4110480"/>
           </a:xfrm>
           <a:prstGeom prst="rect">
             <a:avLst/>
@@ -1428,7 +1428,7 @@
         <p:spPr>
           <a:xfrm>
             <a:off x="3884760" y="8685360"/>
-            <a:ext cx="2967840" cy="453240"/>
+            <a:ext cx="2967480" cy="452880"/>
           </a:xfrm>
           <a:prstGeom prst="rect">
             <a:avLst/>
@@ -1464,7 +1464,7 @@
               </a:lnSpc>
               <a:buNone/>
             </a:pPr>
-            <a:fld id="{61200B0C-355C-4070-8CF1-6201ED80A10F}" type="slidenum">
+            <a:fld id="{4AF2673F-9AD4-4F45-8BCE-C6580C3B69C9}" type="slidenum">
               <a:rPr b="0" lang="en-US" sz="1200" spc="-1" strike="noStrike">
                 <a:solidFill>
                   <a:srgbClr val="000000"/>
@@ -1515,7 +1515,7 @@
         <p:spPr>
           <a:xfrm>
             <a:off x="380880" y="685800"/>
-            <a:ext cx="6091920" cy="3425040"/>
+            <a:ext cx="6091560" cy="3424680"/>
           </a:xfrm>
           <a:prstGeom prst="rect">
             <a:avLst/>
@@ -1538,7 +1538,7 @@
         <p:spPr>
           <a:xfrm>
             <a:off x="685800" y="4343400"/>
-            <a:ext cx="5482440" cy="4110840"/>
+            <a:ext cx="5482080" cy="4110480"/>
           </a:xfrm>
           <a:prstGeom prst="rect">
             <a:avLst/>
@@ -1572,7 +1572,7 @@
         <p:spPr>
           <a:xfrm>
             <a:off x="3884760" y="8685360"/>
-            <a:ext cx="2967840" cy="453240"/>
+            <a:ext cx="2967480" cy="452880"/>
           </a:xfrm>
           <a:prstGeom prst="rect">
             <a:avLst/>
@@ -1608,7 +1608,7 @@
               </a:lnSpc>
               <a:buNone/>
             </a:pPr>
-            <a:fld id="{7FEC1DB2-ADAE-4CF2-BF4F-58AED5C0C92F}" type="slidenum">
+            <a:fld id="{D34C755F-7EC1-41C2-B6EB-D6E955A4797A}" type="slidenum">
               <a:rPr b="0" lang="en-US" sz="1200" spc="-1" strike="noStrike">
                 <a:solidFill>
                   <a:srgbClr val="000000"/>
@@ -1659,7 +1659,7 @@
         <p:spPr>
           <a:xfrm>
             <a:off x="380880" y="685800"/>
-            <a:ext cx="6091920" cy="3425040"/>
+            <a:ext cx="6091560" cy="3424680"/>
           </a:xfrm>
           <a:prstGeom prst="rect">
             <a:avLst/>
@@ -1682,7 +1682,7 @@
         <p:spPr>
           <a:xfrm>
             <a:off x="685800" y="4343400"/>
-            <a:ext cx="5482440" cy="4110840"/>
+            <a:ext cx="5482080" cy="4110480"/>
           </a:xfrm>
           <a:prstGeom prst="rect">
             <a:avLst/>
@@ -1716,7 +1716,7 @@
         <p:spPr>
           <a:xfrm>
             <a:off x="3884760" y="8685360"/>
-            <a:ext cx="2967840" cy="453240"/>
+            <a:ext cx="2967480" cy="452880"/>
           </a:xfrm>
           <a:prstGeom prst="rect">
             <a:avLst/>
@@ -1752,7 +1752,7 @@
               </a:lnSpc>
               <a:buNone/>
             </a:pPr>
-            <a:fld id="{CD45C055-350E-4727-ABC5-3B11F45182A0}" type="slidenum">
+            <a:fld id="{EF92549D-1EA2-4AFD-8A84-7B64307C45A2}" type="slidenum">
               <a:rPr b="0" lang="en-US" sz="1200" spc="-1" strike="noStrike">
                 <a:solidFill>
                   <a:srgbClr val="000000"/>
@@ -1803,7 +1803,7 @@
         <p:spPr>
           <a:xfrm>
             <a:off x="380880" y="685800"/>
-            <a:ext cx="6091920" cy="3425040"/>
+            <a:ext cx="6091560" cy="3424680"/>
           </a:xfrm>
           <a:prstGeom prst="rect">
             <a:avLst/>
@@ -1826,7 +1826,7 @@
         <p:spPr>
           <a:xfrm>
             <a:off x="685800" y="4343400"/>
-            <a:ext cx="5482440" cy="4110840"/>
+            <a:ext cx="5482080" cy="4110480"/>
           </a:xfrm>
           <a:prstGeom prst="rect">
             <a:avLst/>
@@ -1860,7 +1860,7 @@
         <p:spPr>
           <a:xfrm>
             <a:off x="3884760" y="8685360"/>
-            <a:ext cx="2967840" cy="453240"/>
+            <a:ext cx="2967480" cy="452880"/>
           </a:xfrm>
           <a:prstGeom prst="rect">
             <a:avLst/>
@@ -1896,7 +1896,7 @@
               </a:lnSpc>
               <a:buNone/>
             </a:pPr>
-            <a:fld id="{EFA79070-0A2E-4911-8BC3-95CEC8EE4930}" type="slidenum">
+            <a:fld id="{B1849CA2-F785-46A4-AF97-FCD4F4BC4E72}" type="slidenum">
               <a:rPr b="0" lang="en-US" sz="1200" spc="-1" strike="noStrike">
                 <a:solidFill>
                   <a:srgbClr val="000000"/>
@@ -1947,7 +1947,7 @@
         <p:spPr>
           <a:xfrm>
             <a:off x="380880" y="685800"/>
-            <a:ext cx="6091920" cy="3425040"/>
+            <a:ext cx="6091560" cy="3424680"/>
           </a:xfrm>
           <a:prstGeom prst="rect">
             <a:avLst/>
@@ -1970,7 +1970,7 @@
         <p:spPr>
           <a:xfrm>
             <a:off x="685800" y="4343400"/>
-            <a:ext cx="5482440" cy="4110840"/>
+            <a:ext cx="5482080" cy="4110480"/>
           </a:xfrm>
           <a:prstGeom prst="rect">
             <a:avLst/>
@@ -2004,7 +2004,7 @@
         <p:spPr>
           <a:xfrm>
             <a:off x="3884760" y="8685360"/>
-            <a:ext cx="2967840" cy="453240"/>
+            <a:ext cx="2967480" cy="452880"/>
           </a:xfrm>
           <a:prstGeom prst="rect">
             <a:avLst/>
@@ -2040,7 +2040,7 @@
               </a:lnSpc>
               <a:buNone/>
             </a:pPr>
-            <a:fld id="{ACB230B7-ED60-4B7D-A973-1C305490BB9A}" type="slidenum">
+            <a:fld id="{FEC97D61-3C3D-4D9F-ABC9-08E06C66CEA2}" type="slidenum">
               <a:rPr b="0" lang="en-US" sz="1200" spc="-1" strike="noStrike">
                 <a:solidFill>
                   <a:srgbClr val="000000"/>
@@ -2091,7 +2091,7 @@
         <p:spPr>
           <a:xfrm>
             <a:off x="380880" y="685800"/>
-            <a:ext cx="6091920" cy="3425040"/>
+            <a:ext cx="6091560" cy="3424680"/>
           </a:xfrm>
           <a:prstGeom prst="rect">
             <a:avLst/>
@@ -2114,7 +2114,7 @@
         <p:spPr>
           <a:xfrm>
             <a:off x="685800" y="4343400"/>
-            <a:ext cx="5482440" cy="4110840"/>
+            <a:ext cx="5482080" cy="4110480"/>
           </a:xfrm>
           <a:prstGeom prst="rect">
             <a:avLst/>
@@ -2148,7 +2148,7 @@
         <p:spPr>
           <a:xfrm>
             <a:off x="3884760" y="8685360"/>
-            <a:ext cx="2967840" cy="453240"/>
+            <a:ext cx="2967480" cy="452880"/>
           </a:xfrm>
           <a:prstGeom prst="rect">
             <a:avLst/>
@@ -2184,7 +2184,7 @@
               </a:lnSpc>
               <a:buNone/>
             </a:pPr>
-            <a:fld id="{256F8901-1721-43C1-8285-B8B7368FF68B}" type="slidenum">
+            <a:fld id="{69B7B195-8006-4976-AA89-A3B7E2DA4F59}" type="slidenum">
               <a:rPr b="0" lang="en-US" sz="1200" spc="-1" strike="noStrike">
                 <a:solidFill>
                   <a:srgbClr val="000000"/>
@@ -2235,7 +2235,7 @@
         <p:spPr>
           <a:xfrm>
             <a:off x="380880" y="685800"/>
-            <a:ext cx="6091920" cy="3425040"/>
+            <a:ext cx="6091560" cy="3424680"/>
           </a:xfrm>
           <a:prstGeom prst="rect">
             <a:avLst/>
@@ -2258,7 +2258,7 @@
         <p:spPr>
           <a:xfrm>
             <a:off x="685800" y="4343400"/>
-            <a:ext cx="5482440" cy="4110840"/>
+            <a:ext cx="5482080" cy="4110480"/>
           </a:xfrm>
           <a:prstGeom prst="rect">
             <a:avLst/>
@@ -2292,7 +2292,7 @@
         <p:spPr>
           <a:xfrm>
             <a:off x="3884760" y="8685360"/>
-            <a:ext cx="2967840" cy="453240"/>
+            <a:ext cx="2967480" cy="452880"/>
           </a:xfrm>
           <a:prstGeom prst="rect">
             <a:avLst/>
@@ -2328,7 +2328,7 @@
               </a:lnSpc>
               <a:buNone/>
             </a:pPr>
-            <a:fld id="{523160C3-E8C4-44C4-A76E-3D71DD4E04C3}" type="slidenum">
+            <a:fld id="{7DBDA0E8-406D-4DC9-A679-7C0EF00F3627}" type="slidenum">
               <a:rPr b="0" lang="en-US" sz="1200" spc="-1" strike="noStrike">
                 <a:solidFill>
                   <a:srgbClr val="000000"/>
@@ -2379,7 +2379,7 @@
         <p:spPr>
           <a:xfrm>
             <a:off x="380880" y="685800"/>
-            <a:ext cx="6091920" cy="3425040"/>
+            <a:ext cx="6091560" cy="3424680"/>
           </a:xfrm>
           <a:prstGeom prst="rect">
             <a:avLst/>
@@ -2402,7 +2402,7 @@
         <p:spPr>
           <a:xfrm>
             <a:off x="685800" y="4343400"/>
-            <a:ext cx="5482440" cy="4110840"/>
+            <a:ext cx="5482080" cy="4110480"/>
           </a:xfrm>
           <a:prstGeom prst="rect">
             <a:avLst/>
@@ -2436,7 +2436,7 @@
         <p:spPr>
           <a:xfrm>
             <a:off x="3884760" y="8685360"/>
-            <a:ext cx="2967840" cy="453240"/>
+            <a:ext cx="2967480" cy="452880"/>
           </a:xfrm>
           <a:prstGeom prst="rect">
             <a:avLst/>
@@ -2472,7 +2472,7 @@
               </a:lnSpc>
               <a:buNone/>
             </a:pPr>
-            <a:fld id="{9BB68402-F77F-496B-B440-4AF8B860CED5}" type="slidenum">
+            <a:fld id="{A9FE1EDA-B6FE-40EC-B5C1-D23412751122}" type="slidenum">
               <a:rPr b="0" lang="en-US" sz="1200" spc="-1" strike="noStrike">
                 <a:solidFill>
                   <a:srgbClr val="000000"/>
@@ -2523,7 +2523,7 @@
         <p:spPr>
           <a:xfrm>
             <a:off x="380880" y="685800"/>
-            <a:ext cx="6091920" cy="3425040"/>
+            <a:ext cx="6091560" cy="3424680"/>
           </a:xfrm>
           <a:prstGeom prst="rect">
             <a:avLst/>
@@ -2546,7 +2546,7 @@
         <p:spPr>
           <a:xfrm>
             <a:off x="685800" y="4343400"/>
-            <a:ext cx="5482440" cy="4110840"/>
+            <a:ext cx="5482080" cy="4110480"/>
           </a:xfrm>
           <a:prstGeom prst="rect">
             <a:avLst/>
@@ -2580,7 +2580,7 @@
         <p:spPr>
           <a:xfrm>
             <a:off x="3884760" y="8685360"/>
-            <a:ext cx="2967840" cy="453240"/>
+            <a:ext cx="2967480" cy="452880"/>
           </a:xfrm>
           <a:prstGeom prst="rect">
             <a:avLst/>
@@ -2616,7 +2616,7 @@
               </a:lnSpc>
               <a:buNone/>
             </a:pPr>
-            <a:fld id="{6B73CE82-1DC5-4E57-8DA2-74809A094270}" type="slidenum">
+            <a:fld id="{7EEBB1AB-FEEA-4AC6-9C9A-D6DB524F3A91}" type="slidenum">
               <a:rPr b="0" lang="en-US" sz="1200" spc="-1" strike="noStrike">
                 <a:solidFill>
                   <a:srgbClr val="000000"/>
@@ -2667,7 +2667,7 @@
         <p:spPr>
           <a:xfrm>
             <a:off x="380880" y="685800"/>
-            <a:ext cx="6091920" cy="3425040"/>
+            <a:ext cx="6091560" cy="3424680"/>
           </a:xfrm>
           <a:prstGeom prst="rect">
             <a:avLst/>
@@ -2690,7 +2690,7 @@
         <p:spPr>
           <a:xfrm>
             <a:off x="685800" y="4343400"/>
-            <a:ext cx="5482440" cy="4110840"/>
+            <a:ext cx="5482080" cy="4110480"/>
           </a:xfrm>
           <a:prstGeom prst="rect">
             <a:avLst/>
@@ -2724,7 +2724,7 @@
         <p:spPr>
           <a:xfrm>
             <a:off x="3884760" y="8685360"/>
-            <a:ext cx="2967840" cy="453240"/>
+            <a:ext cx="2967480" cy="452880"/>
           </a:xfrm>
           <a:prstGeom prst="rect">
             <a:avLst/>
@@ -2760,7 +2760,7 @@
               </a:lnSpc>
               <a:buNone/>
             </a:pPr>
-            <a:fld id="{9A0FBA1D-B059-4D59-9DDD-A5339DF2FF1B}" type="slidenum">
+            <a:fld id="{906DF20C-B2E9-47AB-B025-DA51D4A94854}" type="slidenum">
               <a:rPr b="0" lang="en-US" sz="1200" spc="-1" strike="noStrike">
                 <a:solidFill>
                   <a:srgbClr val="000000"/>
@@ -2811,7 +2811,7 @@
         <p:spPr>
           <a:xfrm>
             <a:off x="380880" y="685800"/>
-            <a:ext cx="6091920" cy="3425040"/>
+            <a:ext cx="6091560" cy="3424680"/>
           </a:xfrm>
           <a:prstGeom prst="rect">
             <a:avLst/>
@@ -2834,7 +2834,7 @@
         <p:spPr>
           <a:xfrm>
             <a:off x="685800" y="4343400"/>
-            <a:ext cx="5482440" cy="4110840"/>
+            <a:ext cx="5482080" cy="4110480"/>
           </a:xfrm>
           <a:prstGeom prst="rect">
             <a:avLst/>
@@ -2868,7 +2868,7 @@
         <p:spPr>
           <a:xfrm>
             <a:off x="3884760" y="8685360"/>
-            <a:ext cx="2967840" cy="453240"/>
+            <a:ext cx="2967480" cy="452880"/>
           </a:xfrm>
           <a:prstGeom prst="rect">
             <a:avLst/>
@@ -2904,7 +2904,7 @@
               </a:lnSpc>
               <a:buNone/>
             </a:pPr>
-            <a:fld id="{77D66D97-9AE1-4A5C-8084-F9FB30031D6A}" type="slidenum">
+            <a:fld id="{21CC2262-FEF4-4442-BBAE-EDF59CC280A6}" type="slidenum">
               <a:rPr b="0" lang="en-US" sz="1200" spc="-1" strike="noStrike">
                 <a:solidFill>
                   <a:srgbClr val="000000"/>
@@ -2955,7 +2955,7 @@
         <p:spPr>
           <a:xfrm>
             <a:off x="380880" y="685800"/>
-            <a:ext cx="6091920" cy="3425040"/>
+            <a:ext cx="6091560" cy="3424680"/>
           </a:xfrm>
           <a:prstGeom prst="rect">
             <a:avLst/>
@@ -2978,7 +2978,7 @@
         <p:spPr>
           <a:xfrm>
             <a:off x="685800" y="4343400"/>
-            <a:ext cx="5482440" cy="4110840"/>
+            <a:ext cx="5482080" cy="4110480"/>
           </a:xfrm>
           <a:prstGeom prst="rect">
             <a:avLst/>
@@ -3012,7 +3012,7 @@
         <p:spPr>
           <a:xfrm>
             <a:off x="3884760" y="8685360"/>
-            <a:ext cx="2967840" cy="453240"/>
+            <a:ext cx="2967480" cy="452880"/>
           </a:xfrm>
           <a:prstGeom prst="rect">
             <a:avLst/>
@@ -3048,7 +3048,7 @@
               </a:lnSpc>
               <a:buNone/>
             </a:pPr>
-            <a:fld id="{6398306D-2546-4A88-BF03-8D336DA630DF}" type="slidenum">
+            <a:fld id="{C281AFB7-9795-4A11-BFE9-B5C93A5591D0}" type="slidenum">
               <a:rPr b="0" lang="en-US" sz="1200" spc="-1" strike="noStrike">
                 <a:solidFill>
                   <a:srgbClr val="000000"/>
@@ -3099,7 +3099,7 @@
         <p:spPr>
           <a:xfrm>
             <a:off x="380880" y="685800"/>
-            <a:ext cx="6091920" cy="3425040"/>
+            <a:ext cx="6091560" cy="3424680"/>
           </a:xfrm>
           <a:prstGeom prst="rect">
             <a:avLst/>
@@ -3122,7 +3122,7 @@
         <p:spPr>
           <a:xfrm>
             <a:off x="685800" y="4343400"/>
-            <a:ext cx="5482440" cy="4110840"/>
+            <a:ext cx="5482080" cy="4110480"/>
           </a:xfrm>
           <a:prstGeom prst="rect">
             <a:avLst/>
@@ -3156,7 +3156,7 @@
         <p:spPr>
           <a:xfrm>
             <a:off x="3884760" y="8685360"/>
-            <a:ext cx="2967840" cy="453240"/>
+            <a:ext cx="2967480" cy="452880"/>
           </a:xfrm>
           <a:prstGeom prst="rect">
             <a:avLst/>
@@ -3192,7 +3192,7 @@
               </a:lnSpc>
               <a:buNone/>
             </a:pPr>
-            <a:fld id="{4B2035CF-29CE-4790-8998-7F5D33F7E557}" type="slidenum">
+            <a:fld id="{ADA821BE-3EF2-464E-A668-C55D5DB46B8D}" type="slidenum">
               <a:rPr b="0" lang="en-US" sz="1200" spc="-1" strike="noStrike">
                 <a:solidFill>
                   <a:srgbClr val="000000"/>
@@ -3243,7 +3243,7 @@
         <p:spPr>
           <a:xfrm>
             <a:off x="380880" y="685800"/>
-            <a:ext cx="6091920" cy="3425040"/>
+            <a:ext cx="6091560" cy="3424680"/>
           </a:xfrm>
           <a:prstGeom prst="rect">
             <a:avLst/>
@@ -3266,7 +3266,7 @@
         <p:spPr>
           <a:xfrm>
             <a:off x="685800" y="4343400"/>
-            <a:ext cx="5482440" cy="4110840"/>
+            <a:ext cx="5482080" cy="4110480"/>
           </a:xfrm>
           <a:prstGeom prst="rect">
             <a:avLst/>
@@ -3300,7 +3300,7 @@
         <p:spPr>
           <a:xfrm>
             <a:off x="3884760" y="8685360"/>
-            <a:ext cx="2967840" cy="453240"/>
+            <a:ext cx="2967480" cy="452880"/>
           </a:xfrm>
           <a:prstGeom prst="rect">
             <a:avLst/>
@@ -3336,7 +3336,7 @@
               </a:lnSpc>
               <a:buNone/>
             </a:pPr>
-            <a:fld id="{DD05399A-5679-4DC6-B6C7-652A54652486}" type="slidenum">
+            <a:fld id="{3216F03B-F2B1-4C0B-B055-E9AA648DDC1A}" type="slidenum">
               <a:rPr b="0" lang="en-US" sz="1200" spc="-1" strike="noStrike">
                 <a:solidFill>
                   <a:srgbClr val="000000"/>
@@ -3387,7 +3387,7 @@
         <p:spPr>
           <a:xfrm>
             <a:off x="380880" y="685800"/>
-            <a:ext cx="6091920" cy="3425040"/>
+            <a:ext cx="6091560" cy="3424680"/>
           </a:xfrm>
           <a:prstGeom prst="rect">
             <a:avLst/>
@@ -3410,7 +3410,7 @@
         <p:spPr>
           <a:xfrm>
             <a:off x="685800" y="4343400"/>
-            <a:ext cx="5482440" cy="4110840"/>
+            <a:ext cx="5482080" cy="4110480"/>
           </a:xfrm>
           <a:prstGeom prst="rect">
             <a:avLst/>
@@ -3444,7 +3444,7 @@
         <p:spPr>
           <a:xfrm>
             <a:off x="3884760" y="8685360"/>
-            <a:ext cx="2967840" cy="453240"/>
+            <a:ext cx="2967480" cy="452880"/>
           </a:xfrm>
           <a:prstGeom prst="rect">
             <a:avLst/>
@@ -3480,7 +3480,7 @@
               </a:lnSpc>
               <a:buNone/>
             </a:pPr>
-            <a:fld id="{E291DE95-F329-45C4-A13C-E237FBA09555}" type="slidenum">
+            <a:fld id="{5358A32A-4462-4139-9949-A76465AA425B}" type="slidenum">
               <a:rPr b="0" lang="en-US" sz="1200" spc="-1" strike="noStrike">
                 <a:solidFill>
                   <a:srgbClr val="000000"/>
@@ -3531,7 +3531,7 @@
         <p:spPr>
           <a:xfrm>
             <a:off x="380880" y="685800"/>
-            <a:ext cx="6091920" cy="3425040"/>
+            <a:ext cx="6091560" cy="3424680"/>
           </a:xfrm>
           <a:prstGeom prst="rect">
             <a:avLst/>
@@ -3554,7 +3554,7 @@
         <p:spPr>
           <a:xfrm>
             <a:off x="685800" y="4343400"/>
-            <a:ext cx="5482440" cy="4110840"/>
+            <a:ext cx="5482080" cy="4110480"/>
           </a:xfrm>
           <a:prstGeom prst="rect">
             <a:avLst/>
@@ -3588,7 +3588,7 @@
         <p:spPr>
           <a:xfrm>
             <a:off x="3884760" y="8685360"/>
-            <a:ext cx="2967840" cy="453240"/>
+            <a:ext cx="2967480" cy="452880"/>
           </a:xfrm>
           <a:prstGeom prst="rect">
             <a:avLst/>
@@ -3624,7 +3624,7 @@
               </a:lnSpc>
               <a:buNone/>
             </a:pPr>
-            <a:fld id="{9F0E5E7F-9E75-4359-AB81-52CE8DF9D7EB}" type="slidenum">
+            <a:fld id="{CF6036FA-63E5-4DBE-A5B0-6ECA87DCCA7E}" type="slidenum">
               <a:rPr b="0" lang="en-US" sz="1200" spc="-1" strike="noStrike">
                 <a:solidFill>
                   <a:srgbClr val="000000"/>
@@ -3675,7 +3675,7 @@
         <p:spPr>
           <a:xfrm>
             <a:off x="380880" y="685800"/>
-            <a:ext cx="6091920" cy="3425040"/>
+            <a:ext cx="6091560" cy="3424680"/>
           </a:xfrm>
           <a:prstGeom prst="rect">
             <a:avLst/>
@@ -3698,7 +3698,7 @@
         <p:spPr>
           <a:xfrm>
             <a:off x="685800" y="4343400"/>
-            <a:ext cx="5482440" cy="4110840"/>
+            <a:ext cx="5482080" cy="4110480"/>
           </a:xfrm>
           <a:prstGeom prst="rect">
             <a:avLst/>
@@ -3732,7 +3732,7 @@
         <p:spPr>
           <a:xfrm>
             <a:off x="3884760" y="8685360"/>
-            <a:ext cx="2967840" cy="453240"/>
+            <a:ext cx="2967480" cy="452880"/>
           </a:xfrm>
           <a:prstGeom prst="rect">
             <a:avLst/>
@@ -3768,7 +3768,7 @@
               </a:lnSpc>
               <a:buNone/>
             </a:pPr>
-            <a:fld id="{4627FEA5-500A-4FFB-B5F7-93A19C6EEBC8}" type="slidenum">
+            <a:fld id="{E26C64AB-5E7A-4BB6-A070-BE1472C7A7F9}" type="slidenum">
               <a:rPr b="0" lang="en-US" sz="1200" spc="-1" strike="noStrike">
                 <a:solidFill>
                   <a:srgbClr val="000000"/>
@@ -3840,7 +3840,7 @@
         <p:txBody>
           <a:bodyPr/>
           <a:p>
-            <a:fld id="{5772301B-16E0-4750-9799-C60F24901E93}" type="slidenum">
+            <a:fld id="{60491EFA-0AA5-45B4-9437-C1C80ED42910}" type="slidenum">
               <a:t>&lt;#&gt;</a:t>
             </a:fld>
           </a:p>
@@ -4028,7 +4028,7 @@
         <p:txBody>
           <a:bodyPr/>
           <a:p>
-            <a:fld id="{FF2225E9-BC4F-4AF4-B6B1-93A745AEFDD3}" type="slidenum">
+            <a:fld id="{2FFB79AE-5ABE-485A-9143-1F7605863A21}" type="slidenum">
               <a:t>&lt;#&gt;</a:t>
             </a:fld>
           </a:p>
@@ -4284,7 +4284,7 @@
         <p:txBody>
           <a:bodyPr/>
           <a:p>
-            <a:fld id="{A420ADCD-C5CF-4417-9B88-27EF6E00D119}" type="slidenum">
+            <a:fld id="{DA2B0603-7F4E-49F5-89C6-59D34C1011B8}" type="slidenum">
               <a:t>&lt;#&gt;</a:t>
             </a:fld>
           </a:p>
@@ -4608,7 +4608,7 @@
         <p:txBody>
           <a:bodyPr/>
           <a:p>
-            <a:fld id="{498C4E5E-3D14-4D11-800F-7282493C3270}" type="slidenum">
+            <a:fld id="{0CBE052B-A1E0-4181-93BE-69DD4E6E4578}" type="slidenum">
               <a:t>&lt;#&gt;</a:t>
             </a:fld>
           </a:p>
@@ -4765,7 +4765,7 @@
         <p:txBody>
           <a:bodyPr/>
           <a:p>
-            <a:fld id="{5FCE22BC-F518-40D7-87A5-EE27F86B936F}" type="slidenum">
+            <a:fld id="{73B79930-304B-41AA-8A44-977DC91B6074}" type="slidenum">
               <a:t>&lt;#&gt;</a:t>
             </a:fld>
           </a:p>
@@ -4919,7 +4919,7 @@
         <p:txBody>
           <a:bodyPr/>
           <a:p>
-            <a:fld id="{7E9463B2-FC2F-4763-BE52-E6E8C090CCEF}" type="slidenum">
+            <a:fld id="{AE2EB711-0873-4483-A36A-EDDC24F65513}" type="slidenum">
               <a:t>&lt;#&gt;</a:t>
             </a:fld>
           </a:p>
@@ -5107,7 +5107,7 @@
         <p:txBody>
           <a:bodyPr/>
           <a:p>
-            <a:fld id="{5E313721-A710-4D6A-87F1-ADA01440F186}" type="slidenum">
+            <a:fld id="{B275D880-C0B1-4F2B-83FA-61353BA020EA}" type="slidenum">
               <a:t>&lt;#&gt;</a:t>
             </a:fld>
           </a:p>
@@ -5227,7 +5227,7 @@
         <p:txBody>
           <a:bodyPr/>
           <a:p>
-            <a:fld id="{A341B7B2-AB92-404C-9FF8-767AC4E7F3D4}" type="slidenum">
+            <a:fld id="{2B452E5F-9754-46AF-B2B4-8B772C391D73}" type="slidenum">
               <a:t>&lt;#&gt;</a:t>
             </a:fld>
           </a:p>
@@ -5347,7 +5347,7 @@
         <p:txBody>
           <a:bodyPr/>
           <a:p>
-            <a:fld id="{DC52C56B-27D4-4412-B1A9-626CCDBB39F6}" type="slidenum">
+            <a:fld id="{DFBC0F6D-1754-4791-B747-F988BE18F3D7}" type="slidenum">
               <a:t>&lt;#&gt;</a:t>
             </a:fld>
           </a:p>
@@ -5569,7 +5569,7 @@
         <p:txBody>
           <a:bodyPr/>
           <a:p>
-            <a:fld id="{35D92CFE-FC85-4ECF-8083-DB91D134F8FC}" type="slidenum">
+            <a:fld id="{139CE99C-BE12-4FC2-AB92-5A2BC989CD11}" type="slidenum">
               <a:t>&lt;#&gt;</a:t>
             </a:fld>
           </a:p>
@@ -5791,7 +5791,7 @@
         <p:txBody>
           <a:bodyPr/>
           <a:p>
-            <a:fld id="{A0E3F7FE-1436-472E-87D6-97FCB2F710DF}" type="slidenum">
+            <a:fld id="{AB45C6B6-8744-4B9C-A404-2EAA33961EB6}" type="slidenum">
               <a:t>&lt;#&gt;</a:t>
             </a:fld>
           </a:p>
@@ -6013,7 +6013,7 @@
         <p:txBody>
           <a:bodyPr/>
           <a:p>
-            <a:fld id="{EA649C07-498B-40FC-92D8-0852E3B34589}" type="slidenum">
+            <a:fld id="{6B87ED85-4BF5-4E42-B214-5BA02D180E98}" type="slidenum">
               <a:t>&lt;#&gt;</a:t>
             </a:fld>
           </a:p>
@@ -6082,7 +6082,7 @@
         <p:spPr>
           <a:xfrm>
             <a:off x="3028680" y="4771440"/>
-            <a:ext cx="3082680" cy="270720"/>
+            <a:ext cx="3082320" cy="270360"/>
           </a:xfrm>
           <a:prstGeom prst="rect">
             <a:avLst/>
@@ -6147,7 +6147,7 @@
         <p:spPr>
           <a:xfrm>
             <a:off x="6457680" y="4771440"/>
-            <a:ext cx="2054160" cy="270720"/>
+            <a:ext cx="2053800" cy="270360"/>
           </a:xfrm>
           <a:prstGeom prst="rect">
             <a:avLst/>
@@ -6183,7 +6183,7 @@
               </a:lnSpc>
               <a:buNone/>
             </a:pPr>
-            <a:fld id="{5BB0D83F-E29A-480D-B0BC-88991B25607F}" type="slidenum">
+            <a:fld id="{EE60CB30-D148-4FBC-B876-FAC604B39A3D}" type="slidenum">
               <a:rPr b="0" lang="en-US" sz="1200" spc="-1" strike="noStrike">
                 <a:solidFill>
                   <a:srgbClr val="8b8b8b"/>
@@ -6212,7 +6212,7 @@
         <p:spPr>
           <a:xfrm>
             <a:off x="628200" y="4771440"/>
-            <a:ext cx="2054160" cy="270720"/>
+            <a:ext cx="2053800" cy="270360"/>
           </a:xfrm>
           <a:prstGeom prst="rect">
             <a:avLst/>
@@ -6524,8 +6524,8 @@
         </p:nvSpPr>
         <p:spPr>
           <a:xfrm rot="2744400">
-            <a:off x="-281520" y="-25920"/>
-            <a:ext cx="704880" cy="704520"/>
+            <a:off x="-281160" y="-25920"/>
+            <a:ext cx="704520" cy="704160"/>
           </a:xfrm>
           <a:prstGeom prst="roundRect">
             <a:avLst>
@@ -6563,7 +6563,7 @@
         <p:spPr>
           <a:xfrm rot="2625600">
             <a:off x="6024960" y="4332960"/>
-            <a:ext cx="468720" cy="468720"/>
+            <a:ext cx="468360" cy="468360"/>
           </a:xfrm>
           <a:prstGeom prst="roundRect">
             <a:avLst>
@@ -6600,8 +6600,8 @@
         </p:nvSpPr>
         <p:spPr>
           <a:xfrm rot="18679200">
-            <a:off x="7004160" y="948600"/>
-            <a:ext cx="4940280" cy="4666680"/>
+            <a:off x="7003800" y="948600"/>
+            <a:ext cx="4939920" cy="4666320"/>
           </a:xfrm>
           <a:prstGeom prst="roundRect">
             <a:avLst>
@@ -6639,7 +6639,7 @@
         <p:spPr>
           <a:xfrm>
             <a:off x="459720" y="4671360"/>
-            <a:ext cx="2995920" cy="266760"/>
+            <a:ext cx="2995560" cy="266400"/>
           </a:xfrm>
           <a:prstGeom prst="rect">
             <a:avLst/>
@@ -6704,8 +6704,8 @@
         </p:blipFill>
         <p:spPr>
           <a:xfrm>
-            <a:off x="2423160" y="4671720"/>
-            <a:ext cx="288360" cy="288360"/>
+            <a:off x="2999160" y="4743720"/>
+            <a:ext cx="288000" cy="288000"/>
           </a:xfrm>
           <a:prstGeom prst="rect">
             <a:avLst/>
@@ -6724,7 +6724,7 @@
         <p:spPr>
           <a:xfrm>
             <a:off x="484920" y="1681560"/>
-            <a:ext cx="5481360" cy="1882800"/>
+            <a:ext cx="5481000" cy="1882440"/>
           </a:xfrm>
           <a:prstGeom prst="rect">
             <a:avLst/>
@@ -6812,8 +6812,8 @@
         </p:nvSpPr>
         <p:spPr>
           <a:xfrm rot="2744400">
-            <a:off x="-281520" y="-25920"/>
-            <a:ext cx="704880" cy="704520"/>
+            <a:off x="-281160" y="-25920"/>
+            <a:ext cx="704520" cy="704160"/>
           </a:xfrm>
           <a:prstGeom prst="roundRect">
             <a:avLst>
@@ -6851,7 +6851,7 @@
         <p:spPr>
           <a:xfrm rot="2332200">
             <a:off x="6009480" y="-319680"/>
-            <a:ext cx="4856040" cy="7727040"/>
+            <a:ext cx="4855680" cy="7726680"/>
           </a:xfrm>
           <a:prstGeom prst="roundRect">
             <a:avLst>
@@ -6889,9 +6889,9 @@
         <p:grpSpPr>
           <a:xfrm>
             <a:off x="4571640" y="828000"/>
-            <a:ext cx="4468680" cy="3564720"/>
+            <a:ext cx="4468320" cy="3564360"/>
             <a:chOff x="4571640" y="828000"/>
-            <a:chExt cx="4468680" cy="3564720"/>
+            <a:chExt cx="4468320" cy="3564360"/>
           </a:xfrm>
         </p:grpSpPr>
         <p:pic>
@@ -6907,7 +6907,7 @@
           <p:spPr>
             <a:xfrm>
               <a:off x="4571640" y="828000"/>
-              <a:ext cx="4468680" cy="3564720"/>
+              <a:ext cx="4468320" cy="3564360"/>
             </a:xfrm>
             <a:prstGeom prst="rect">
               <a:avLst/>
@@ -6925,8 +6925,8 @@
           </p:nvSpPr>
           <p:spPr>
             <a:xfrm rot="16200000">
-              <a:off x="5962680" y="1158480"/>
-              <a:ext cx="1737720" cy="2771640"/>
+              <a:off x="5962680" y="1158840"/>
+              <a:ext cx="1737360" cy="2771280"/>
             </a:xfrm>
             <a:prstGeom prst="roundRect">
               <a:avLst>
@@ -6993,7 +6993,7 @@
         <p:spPr>
           <a:xfrm>
             <a:off x="5446080" y="1672200"/>
-            <a:ext cx="2771280" cy="1737720"/>
+            <a:ext cx="2770920" cy="1737360"/>
           </a:xfrm>
           <a:prstGeom prst="rect">
             <a:avLst/>
@@ -7045,7 +7045,7 @@
         <p:spPr>
           <a:xfrm>
             <a:off x="586440" y="1246680"/>
-            <a:ext cx="4004640" cy="3600360"/>
+            <a:ext cx="4004280" cy="3600000"/>
           </a:xfrm>
           <a:prstGeom prst="rect">
             <a:avLst/>
@@ -7097,7 +7097,7 @@
         <p:spPr>
           <a:xfrm>
             <a:off x="586440" y="453960"/>
-            <a:ext cx="4764600" cy="855720"/>
+            <a:ext cx="4764240" cy="855360"/>
           </a:xfrm>
           <a:prstGeom prst="rect">
             <a:avLst/>
@@ -7186,7 +7186,7 @@
         <p:spPr>
           <a:xfrm rot="2745600">
             <a:off x="8349840" y="-668160"/>
-            <a:ext cx="1498680" cy="1498680"/>
+            <a:ext cx="1498320" cy="1498320"/>
           </a:xfrm>
           <a:prstGeom prst="roundRect">
             <a:avLst>
@@ -7223,8 +7223,8 @@
         </p:nvSpPr>
         <p:spPr>
           <a:xfrm rot="2745600">
-            <a:off x="7634160" y="-322560"/>
-            <a:ext cx="807480" cy="807840"/>
+            <a:off x="7634160" y="-322200"/>
+            <a:ext cx="807120" cy="807480"/>
           </a:xfrm>
           <a:prstGeom prst="roundRect">
             <a:avLst>
@@ -7263,7 +7263,7 @@
         <p:spPr>
           <a:xfrm>
             <a:off x="586440" y="899640"/>
-            <a:ext cx="7932240" cy="1537560"/>
+            <a:ext cx="7931880" cy="1537200"/>
           </a:xfrm>
           <a:prstGeom prst="rect">
             <a:avLst/>
@@ -7315,7 +7315,7 @@
         <p:spPr>
           <a:xfrm>
             <a:off x="608040" y="2545560"/>
-            <a:ext cx="3712680" cy="2256120"/>
+            <a:ext cx="3712320" cy="2255760"/>
           </a:xfrm>
           <a:prstGeom prst="rect">
             <a:avLst/>
@@ -7367,7 +7367,7 @@
         <p:spPr>
           <a:xfrm>
             <a:off x="4806360" y="2545560"/>
-            <a:ext cx="3712680" cy="2256120"/>
+            <a:ext cx="3712320" cy="2255760"/>
           </a:xfrm>
           <a:prstGeom prst="rect">
             <a:avLst/>
@@ -7419,7 +7419,7 @@
         <p:spPr>
           <a:xfrm>
             <a:off x="583200" y="450720"/>
-            <a:ext cx="7198560" cy="512640"/>
+            <a:ext cx="7198200" cy="512280"/>
           </a:xfrm>
           <a:prstGeom prst="rect">
             <a:avLst/>
@@ -7501,7 +7501,7 @@
         <p:spPr>
           <a:xfrm>
             <a:off x="586440" y="1246680"/>
-            <a:ext cx="4004640" cy="3600360"/>
+            <a:ext cx="4004280" cy="3600000"/>
           </a:xfrm>
           <a:prstGeom prst="rect">
             <a:avLst/>
@@ -7553,7 +7553,7 @@
         <p:spPr>
           <a:xfrm>
             <a:off x="559800" y="446040"/>
-            <a:ext cx="4284000" cy="684000"/>
+            <a:ext cx="4283640" cy="683640"/>
           </a:xfrm>
           <a:prstGeom prst="rect">
             <a:avLst/>
@@ -7605,7 +7605,7 @@
         <p:spPr>
           <a:xfrm>
             <a:off x="5097600" y="360"/>
-            <a:ext cx="4380120" cy="5144400"/>
+            <a:ext cx="4379760" cy="5144040"/>
           </a:xfrm>
           <a:prstGeom prst="roundRect">
             <a:avLst>
@@ -7670,8 +7670,8 @@
         </p:nvSpPr>
         <p:spPr>
           <a:xfrm rot="2744400">
-            <a:off x="-281520" y="-25920"/>
-            <a:ext cx="704880" cy="704520"/>
+            <a:off x="-281160" y="-25920"/>
+            <a:ext cx="704520" cy="704160"/>
           </a:xfrm>
           <a:prstGeom prst="roundRect">
             <a:avLst>
@@ -7709,7 +7709,7 @@
         <p:spPr>
           <a:xfrm rot="2625600">
             <a:off x="4861080" y="4146840"/>
-            <a:ext cx="468720" cy="468720"/>
+            <a:ext cx="468360" cy="468360"/>
           </a:xfrm>
           <a:prstGeom prst="roundRect">
             <a:avLst>
@@ -7783,8 +7783,8 @@
         </p:nvSpPr>
         <p:spPr>
           <a:xfrm rot="2744400">
-            <a:off x="-350640" y="4540320"/>
-            <a:ext cx="704880" cy="704520"/>
+            <a:off x="-350280" y="4539960"/>
+            <a:ext cx="704520" cy="704160"/>
           </a:xfrm>
           <a:prstGeom prst="roundRect">
             <a:avLst>
@@ -7821,8 +7821,8 @@
         </p:nvSpPr>
         <p:spPr>
           <a:xfrm rot="19228200">
-            <a:off x="5846760" y="-2266920"/>
-            <a:ext cx="4855680" cy="7726680"/>
+            <a:off x="5846400" y="-2266560"/>
+            <a:ext cx="4855320" cy="7726320"/>
           </a:xfrm>
           <a:prstGeom prst="roundRect">
             <a:avLst>
@@ -7860,9 +7860,9 @@
         <p:grpSpPr>
           <a:xfrm>
             <a:off x="4571640" y="828000"/>
-            <a:ext cx="4468680" cy="3564720"/>
+            <a:ext cx="4468320" cy="3564360"/>
             <a:chOff x="4571640" y="828000"/>
-            <a:chExt cx="4468680" cy="3564720"/>
+            <a:chExt cx="4468320" cy="3564360"/>
           </a:xfrm>
         </p:grpSpPr>
         <p:pic>
@@ -7878,7 +7878,7 @@
           <p:spPr>
             <a:xfrm>
               <a:off x="4571640" y="828000"/>
-              <a:ext cx="4468680" cy="3564720"/>
+              <a:ext cx="4468320" cy="3564360"/>
             </a:xfrm>
             <a:prstGeom prst="rect">
               <a:avLst/>
@@ -7896,8 +7896,8 @@
           </p:nvSpPr>
           <p:spPr>
             <a:xfrm rot="16200000">
-              <a:off x="5962680" y="1158480"/>
-              <a:ext cx="1737720" cy="2771640"/>
+              <a:off x="5962680" y="1158840"/>
+              <a:ext cx="1737360" cy="2771280"/>
             </a:xfrm>
             <a:prstGeom prst="roundRect">
               <a:avLst>
@@ -7964,7 +7964,7 @@
         <p:spPr>
           <a:xfrm>
             <a:off x="586440" y="1246680"/>
-            <a:ext cx="4004640" cy="3600360"/>
+            <a:ext cx="4004280" cy="3600000"/>
           </a:xfrm>
           <a:prstGeom prst="rect">
             <a:avLst/>
@@ -8016,7 +8016,7 @@
         <p:spPr>
           <a:xfrm>
             <a:off x="5446080" y="1672200"/>
-            <a:ext cx="2780640" cy="1737720"/>
+            <a:ext cx="2780280" cy="1737360"/>
           </a:xfrm>
           <a:prstGeom prst="rect">
             <a:avLst/>
@@ -8068,7 +8068,7 @@
         <p:spPr>
           <a:xfrm>
             <a:off x="586440" y="453960"/>
-            <a:ext cx="3697200" cy="855720"/>
+            <a:ext cx="3696840" cy="855360"/>
           </a:xfrm>
           <a:prstGeom prst="rect">
             <a:avLst/>
@@ -8157,7 +8157,7 @@
         <p:spPr>
           <a:xfrm>
             <a:off x="4222080" y="1246680"/>
-            <a:ext cx="4115520" cy="3600360"/>
+            <a:ext cx="4115160" cy="3600000"/>
           </a:xfrm>
           <a:prstGeom prst="rect">
             <a:avLst/>
@@ -8208,8 +8208,8 @@
         </p:nvSpPr>
         <p:spPr>
           <a:xfrm rot="16200000">
-            <a:off x="-2181600" y="1733040"/>
-            <a:ext cx="5144400" cy="1684440"/>
+            <a:off x="-2181600" y="1733400"/>
+            <a:ext cx="5144040" cy="1684080"/>
           </a:xfrm>
           <a:prstGeom prst="roundRect">
             <a:avLst>
@@ -8246,8 +8246,8 @@
         </p:nvSpPr>
         <p:spPr>
           <a:xfrm rot="2745000">
-            <a:off x="8575200" y="104040"/>
-            <a:ext cx="1132920" cy="1132560"/>
+            <a:off x="8575200" y="103680"/>
+            <a:ext cx="1132560" cy="1132200"/>
           </a:xfrm>
           <a:prstGeom prst="roundRect">
             <a:avLst>
@@ -8284,8 +8284,8 @@
         </p:nvSpPr>
         <p:spPr>
           <a:xfrm rot="16200000">
-            <a:off x="614880" y="918360"/>
-            <a:ext cx="3232440" cy="3314160"/>
+            <a:off x="614880" y="918720"/>
+            <a:ext cx="3232080" cy="3313800"/>
           </a:xfrm>
           <a:prstGeom prst="roundRect">
             <a:avLst>
@@ -8351,7 +8351,7 @@
         <p:spPr>
           <a:xfrm>
             <a:off x="4214160" y="456120"/>
-            <a:ext cx="4112280" cy="855720"/>
+            <a:ext cx="4111920" cy="855360"/>
           </a:xfrm>
           <a:prstGeom prst="rect">
             <a:avLst/>
@@ -8439,8 +8439,8 @@
         </p:nvSpPr>
         <p:spPr>
           <a:xfrm rot="2744400">
-            <a:off x="-281520" y="-25920"/>
-            <a:ext cx="704880" cy="704520"/>
+            <a:off x="-281160" y="-25920"/>
+            <a:ext cx="704520" cy="704160"/>
           </a:xfrm>
           <a:prstGeom prst="roundRect">
             <a:avLst>
@@ -8478,7 +8478,7 @@
         <p:spPr>
           <a:xfrm rot="2332200">
             <a:off x="6009480" y="-319680"/>
-            <a:ext cx="4856040" cy="7727040"/>
+            <a:ext cx="4855680" cy="7726680"/>
           </a:xfrm>
           <a:prstGeom prst="roundRect">
             <a:avLst>
@@ -8516,9 +8516,9 @@
         <p:grpSpPr>
           <a:xfrm>
             <a:off x="4571640" y="828000"/>
-            <a:ext cx="4468680" cy="3564720"/>
+            <a:ext cx="4468320" cy="3564360"/>
             <a:chOff x="4571640" y="828000"/>
-            <a:chExt cx="4468680" cy="3564720"/>
+            <a:chExt cx="4468320" cy="3564360"/>
           </a:xfrm>
         </p:grpSpPr>
         <p:pic>
@@ -8534,7 +8534,7 @@
           <p:spPr>
             <a:xfrm>
               <a:off x="4571640" y="828000"/>
-              <a:ext cx="4468680" cy="3564720"/>
+              <a:ext cx="4468320" cy="3564360"/>
             </a:xfrm>
             <a:prstGeom prst="rect">
               <a:avLst/>
@@ -8552,8 +8552,8 @@
           </p:nvSpPr>
           <p:spPr>
             <a:xfrm rot="16200000">
-              <a:off x="5962680" y="1158480"/>
-              <a:ext cx="1737720" cy="2771640"/>
+              <a:off x="5962680" y="1158840"/>
+              <a:ext cx="1737360" cy="2771280"/>
             </a:xfrm>
             <a:prstGeom prst="roundRect">
               <a:avLst>
@@ -8620,7 +8620,7 @@
         <p:spPr>
           <a:xfrm>
             <a:off x="5446080" y="1672200"/>
-            <a:ext cx="2771280" cy="1737720"/>
+            <a:ext cx="2770920" cy="1737360"/>
           </a:xfrm>
           <a:prstGeom prst="rect">
             <a:avLst/>
@@ -8672,7 +8672,7 @@
         <p:spPr>
           <a:xfrm>
             <a:off x="586440" y="1246680"/>
-            <a:ext cx="4004640" cy="3600360"/>
+            <a:ext cx="4004280" cy="3600000"/>
           </a:xfrm>
           <a:prstGeom prst="rect">
             <a:avLst/>
@@ -8724,7 +8724,7 @@
         <p:spPr>
           <a:xfrm>
             <a:off x="586440" y="453960"/>
-            <a:ext cx="4764600" cy="855720"/>
+            <a:ext cx="4764240" cy="855360"/>
           </a:xfrm>
           <a:prstGeom prst="rect">
             <a:avLst/>
@@ -8813,7 +8813,7 @@
         <p:spPr>
           <a:xfrm rot="2745600">
             <a:off x="8349840" y="-668160"/>
-            <a:ext cx="1498680" cy="1498680"/>
+            <a:ext cx="1498320" cy="1498320"/>
           </a:xfrm>
           <a:prstGeom prst="roundRect">
             <a:avLst>
@@ -8850,8 +8850,8 @@
         </p:nvSpPr>
         <p:spPr>
           <a:xfrm rot="2745600">
-            <a:off x="7634160" y="-322560"/>
-            <a:ext cx="807480" cy="807840"/>
+            <a:off x="7634160" y="-322200"/>
+            <a:ext cx="807120" cy="807480"/>
           </a:xfrm>
           <a:prstGeom prst="roundRect">
             <a:avLst>
@@ -8890,7 +8890,7 @@
         <p:spPr>
           <a:xfrm>
             <a:off x="586440" y="899640"/>
-            <a:ext cx="7932240" cy="1537560"/>
+            <a:ext cx="7931880" cy="1537200"/>
           </a:xfrm>
           <a:prstGeom prst="rect">
             <a:avLst/>
@@ -8942,7 +8942,7 @@
         <p:spPr>
           <a:xfrm>
             <a:off x="608040" y="2545560"/>
-            <a:ext cx="3712680" cy="2256120"/>
+            <a:ext cx="3712320" cy="2255760"/>
           </a:xfrm>
           <a:prstGeom prst="rect">
             <a:avLst/>
@@ -8994,7 +8994,7 @@
         <p:spPr>
           <a:xfrm>
             <a:off x="4806360" y="2545560"/>
-            <a:ext cx="3712680" cy="2256120"/>
+            <a:ext cx="3712320" cy="2255760"/>
           </a:xfrm>
           <a:prstGeom prst="rect">
             <a:avLst/>
@@ -9046,7 +9046,7 @@
         <p:spPr>
           <a:xfrm>
             <a:off x="583200" y="450720"/>
-            <a:ext cx="7198560" cy="512640"/>
+            <a:ext cx="7198200" cy="512280"/>
           </a:xfrm>
           <a:prstGeom prst="rect">
             <a:avLst/>
@@ -9128,7 +9128,7 @@
         <p:spPr>
           <a:xfrm>
             <a:off x="586440" y="1246680"/>
-            <a:ext cx="4004640" cy="3600360"/>
+            <a:ext cx="4004280" cy="3600000"/>
           </a:xfrm>
           <a:prstGeom prst="rect">
             <a:avLst/>
@@ -9180,7 +9180,7 @@
         <p:spPr>
           <a:xfrm>
             <a:off x="559800" y="446040"/>
-            <a:ext cx="4284000" cy="684000"/>
+            <a:ext cx="4283640" cy="683640"/>
           </a:xfrm>
           <a:prstGeom prst="rect">
             <a:avLst/>
@@ -9232,7 +9232,7 @@
         <p:spPr>
           <a:xfrm>
             <a:off x="5097600" y="360"/>
-            <a:ext cx="4380120" cy="5144400"/>
+            <a:ext cx="4379760" cy="5144040"/>
           </a:xfrm>
           <a:prstGeom prst="roundRect">
             <a:avLst>
@@ -9297,8 +9297,8 @@
         </p:nvSpPr>
         <p:spPr>
           <a:xfrm rot="2744400">
-            <a:off x="-281520" y="-25920"/>
-            <a:ext cx="704880" cy="704520"/>
+            <a:off x="-281160" y="-25920"/>
+            <a:ext cx="704520" cy="704160"/>
           </a:xfrm>
           <a:prstGeom prst="roundRect">
             <a:avLst>
@@ -9336,7 +9336,7 @@
         <p:spPr>
           <a:xfrm rot="2625600">
             <a:off x="4861080" y="4146840"/>
-            <a:ext cx="468720" cy="468720"/>
+            <a:ext cx="468360" cy="468360"/>
           </a:xfrm>
           <a:prstGeom prst="roundRect">
             <a:avLst>
@@ -9410,8 +9410,8 @@
         </p:nvSpPr>
         <p:spPr>
           <a:xfrm rot="2744400">
-            <a:off x="-350640" y="4540320"/>
-            <a:ext cx="704880" cy="704520"/>
+            <a:off x="-350280" y="4539960"/>
+            <a:ext cx="704520" cy="704160"/>
           </a:xfrm>
           <a:prstGeom prst="roundRect">
             <a:avLst>
@@ -9448,8 +9448,8 @@
         </p:nvSpPr>
         <p:spPr>
           <a:xfrm rot="19228200">
-            <a:off x="5846760" y="-2266920"/>
-            <a:ext cx="4855680" cy="7726680"/>
+            <a:off x="5846400" y="-2266560"/>
+            <a:ext cx="4855320" cy="7726320"/>
           </a:xfrm>
           <a:prstGeom prst="roundRect">
             <a:avLst>
@@ -9487,9 +9487,9 @@
         <p:grpSpPr>
           <a:xfrm>
             <a:off x="4571640" y="828000"/>
-            <a:ext cx="4468680" cy="3564720"/>
+            <a:ext cx="4468320" cy="3564360"/>
             <a:chOff x="4571640" y="828000"/>
-            <a:chExt cx="4468680" cy="3564720"/>
+            <a:chExt cx="4468320" cy="3564360"/>
           </a:xfrm>
         </p:grpSpPr>
         <p:pic>
@@ -9505,7 +9505,7 @@
           <p:spPr>
             <a:xfrm>
               <a:off x="4571640" y="828000"/>
-              <a:ext cx="4468680" cy="3564720"/>
+              <a:ext cx="4468320" cy="3564360"/>
             </a:xfrm>
             <a:prstGeom prst="rect">
               <a:avLst/>
@@ -9523,8 +9523,8 @@
           </p:nvSpPr>
           <p:spPr>
             <a:xfrm rot="16200000">
-              <a:off x="5962680" y="1158480"/>
-              <a:ext cx="1737720" cy="2771640"/>
+              <a:off x="5962680" y="1158840"/>
+              <a:ext cx="1737360" cy="2771280"/>
             </a:xfrm>
             <a:prstGeom prst="roundRect">
               <a:avLst>
@@ -9591,7 +9591,7 @@
         <p:spPr>
           <a:xfrm>
             <a:off x="586440" y="1246680"/>
-            <a:ext cx="4004640" cy="3600360"/>
+            <a:ext cx="4004280" cy="3600000"/>
           </a:xfrm>
           <a:prstGeom prst="rect">
             <a:avLst/>
@@ -9643,7 +9643,7 @@
         <p:spPr>
           <a:xfrm>
             <a:off x="5446080" y="1672200"/>
-            <a:ext cx="2780640" cy="1737720"/>
+            <a:ext cx="2780280" cy="1737360"/>
           </a:xfrm>
           <a:prstGeom prst="rect">
             <a:avLst/>
@@ -9695,7 +9695,7 @@
         <p:spPr>
           <a:xfrm>
             <a:off x="586440" y="453960"/>
-            <a:ext cx="3697200" cy="855720"/>
+            <a:ext cx="3696840" cy="855360"/>
           </a:xfrm>
           <a:prstGeom prst="rect">
             <a:avLst/>
@@ -9784,7 +9784,7 @@
         <p:spPr>
           <a:xfrm>
             <a:off x="4222080" y="1246680"/>
-            <a:ext cx="4115520" cy="3600360"/>
+            <a:ext cx="4115160" cy="3600000"/>
           </a:xfrm>
           <a:prstGeom prst="rect">
             <a:avLst/>
@@ -9835,8 +9835,8 @@
         </p:nvSpPr>
         <p:spPr>
           <a:xfrm rot="16200000">
-            <a:off x="-2181600" y="1733040"/>
-            <a:ext cx="5144400" cy="1684440"/>
+            <a:off x="-2181600" y="1733400"/>
+            <a:ext cx="5144040" cy="1684080"/>
           </a:xfrm>
           <a:prstGeom prst="roundRect">
             <a:avLst>
@@ -9873,8 +9873,8 @@
         </p:nvSpPr>
         <p:spPr>
           <a:xfrm rot="2745000">
-            <a:off x="8575200" y="104040"/>
-            <a:ext cx="1132920" cy="1132560"/>
+            <a:off x="8575200" y="103680"/>
+            <a:ext cx="1132560" cy="1132200"/>
           </a:xfrm>
           <a:prstGeom prst="roundRect">
             <a:avLst>
@@ -9911,8 +9911,8 @@
         </p:nvSpPr>
         <p:spPr>
           <a:xfrm rot="16200000">
-            <a:off x="614880" y="918360"/>
-            <a:ext cx="3232440" cy="3314160"/>
+            <a:off x="614880" y="918720"/>
+            <a:ext cx="3232080" cy="3313800"/>
           </a:xfrm>
           <a:prstGeom prst="roundRect">
             <a:avLst>
@@ -9978,7 +9978,7 @@
         <p:spPr>
           <a:xfrm>
             <a:off x="4214160" y="456120"/>
-            <a:ext cx="4112280" cy="855720"/>
+            <a:ext cx="4111920" cy="855360"/>
           </a:xfrm>
           <a:prstGeom prst="rect">
             <a:avLst/>
@@ -10060,7 +10060,7 @@
         <p:spPr>
           <a:xfrm>
             <a:off x="586440" y="1246680"/>
-            <a:ext cx="4004640" cy="3600360"/>
+            <a:ext cx="4004280" cy="3600000"/>
           </a:xfrm>
           <a:prstGeom prst="rect">
             <a:avLst/>
@@ -10112,7 +10112,7 @@
         <p:spPr>
           <a:xfrm>
             <a:off x="559800" y="446040"/>
-            <a:ext cx="4284000" cy="684000"/>
+            <a:ext cx="4283640" cy="683640"/>
           </a:xfrm>
           <a:prstGeom prst="rect">
             <a:avLst/>
@@ -10164,7 +10164,7 @@
         <p:spPr>
           <a:xfrm>
             <a:off x="5097600" y="360"/>
-            <a:ext cx="4380120" cy="5144400"/>
+            <a:ext cx="4379760" cy="5144040"/>
           </a:xfrm>
           <a:prstGeom prst="roundRect">
             <a:avLst>
@@ -10229,8 +10229,8 @@
         </p:nvSpPr>
         <p:spPr>
           <a:xfrm rot="2744400">
-            <a:off x="-281520" y="-25920"/>
-            <a:ext cx="704880" cy="704520"/>
+            <a:off x="-281160" y="-25920"/>
+            <a:ext cx="704520" cy="704160"/>
           </a:xfrm>
           <a:prstGeom prst="roundRect">
             <a:avLst>
@@ -10268,7 +10268,7 @@
         <p:spPr>
           <a:xfrm rot="2625600">
             <a:off x="4861080" y="4146840"/>
-            <a:ext cx="468720" cy="468720"/>
+            <a:ext cx="468360" cy="468360"/>
           </a:xfrm>
           <a:prstGeom prst="roundRect">
             <a:avLst>
@@ -10342,8 +10342,8 @@
         </p:nvSpPr>
         <p:spPr>
           <a:xfrm rot="2744400">
-            <a:off x="-281520" y="-25920"/>
-            <a:ext cx="704880" cy="704520"/>
+            <a:off x="-281160" y="-25920"/>
+            <a:ext cx="704520" cy="704160"/>
           </a:xfrm>
           <a:prstGeom prst="roundRect">
             <a:avLst>
@@ -10381,7 +10381,7 @@
         <p:spPr>
           <a:xfrm rot="2332200">
             <a:off x="6009480" y="-319680"/>
-            <a:ext cx="4856040" cy="7727040"/>
+            <a:ext cx="4855680" cy="7726680"/>
           </a:xfrm>
           <a:prstGeom prst="roundRect">
             <a:avLst>
@@ -10419,9 +10419,9 @@
         <p:grpSpPr>
           <a:xfrm>
             <a:off x="4571640" y="828000"/>
-            <a:ext cx="4468680" cy="3564720"/>
+            <a:ext cx="4468320" cy="3564360"/>
             <a:chOff x="4571640" y="828000"/>
-            <a:chExt cx="4468680" cy="3564720"/>
+            <a:chExt cx="4468320" cy="3564360"/>
           </a:xfrm>
         </p:grpSpPr>
         <p:pic>
@@ -10437,7 +10437,7 @@
           <p:spPr>
             <a:xfrm>
               <a:off x="4571640" y="828000"/>
-              <a:ext cx="4468680" cy="3564720"/>
+              <a:ext cx="4468320" cy="3564360"/>
             </a:xfrm>
             <a:prstGeom prst="rect">
               <a:avLst/>
@@ -10455,8 +10455,8 @@
           </p:nvSpPr>
           <p:spPr>
             <a:xfrm rot="16200000">
-              <a:off x="5962680" y="1158480"/>
-              <a:ext cx="1737720" cy="2771640"/>
+              <a:off x="5962680" y="1158840"/>
+              <a:ext cx="1737360" cy="2771280"/>
             </a:xfrm>
             <a:prstGeom prst="roundRect">
               <a:avLst>
@@ -10523,7 +10523,7 @@
         <p:spPr>
           <a:xfrm>
             <a:off x="5446080" y="1672200"/>
-            <a:ext cx="2771280" cy="1737720"/>
+            <a:ext cx="2770920" cy="1737360"/>
           </a:xfrm>
           <a:prstGeom prst="rect">
             <a:avLst/>
@@ -10575,7 +10575,7 @@
         <p:spPr>
           <a:xfrm>
             <a:off x="586440" y="1246680"/>
-            <a:ext cx="4004640" cy="3600360"/>
+            <a:ext cx="4004280" cy="3600000"/>
           </a:xfrm>
           <a:prstGeom prst="rect">
             <a:avLst/>
@@ -10627,7 +10627,7 @@
         <p:spPr>
           <a:xfrm>
             <a:off x="586440" y="453960"/>
-            <a:ext cx="4764600" cy="855720"/>
+            <a:ext cx="4764240" cy="855360"/>
           </a:xfrm>
           <a:prstGeom prst="rect">
             <a:avLst/>
@@ -10716,7 +10716,7 @@
         <p:spPr>
           <a:xfrm rot="2745600">
             <a:off x="8349840" y="-668160"/>
-            <a:ext cx="1498680" cy="1498680"/>
+            <a:ext cx="1498320" cy="1498320"/>
           </a:xfrm>
           <a:prstGeom prst="roundRect">
             <a:avLst>
@@ -10753,8 +10753,8 @@
         </p:nvSpPr>
         <p:spPr>
           <a:xfrm rot="2745600">
-            <a:off x="7634160" y="-322560"/>
-            <a:ext cx="807480" cy="807840"/>
+            <a:off x="7634160" y="-322200"/>
+            <a:ext cx="807120" cy="807480"/>
           </a:xfrm>
           <a:prstGeom prst="roundRect">
             <a:avLst>
@@ -10793,7 +10793,7 @@
         <p:spPr>
           <a:xfrm>
             <a:off x="586440" y="899640"/>
-            <a:ext cx="7932240" cy="1537560"/>
+            <a:ext cx="7931880" cy="1537200"/>
           </a:xfrm>
           <a:prstGeom prst="rect">
             <a:avLst/>
@@ -10845,7 +10845,7 @@
         <p:spPr>
           <a:xfrm>
             <a:off x="608040" y="2545560"/>
-            <a:ext cx="3712680" cy="2256120"/>
+            <a:ext cx="3712320" cy="2255760"/>
           </a:xfrm>
           <a:prstGeom prst="rect">
             <a:avLst/>
@@ -10897,7 +10897,7 @@
         <p:spPr>
           <a:xfrm>
             <a:off x="4806360" y="2545560"/>
-            <a:ext cx="3712680" cy="2256120"/>
+            <a:ext cx="3712320" cy="2255760"/>
           </a:xfrm>
           <a:prstGeom prst="rect">
             <a:avLst/>
@@ -10949,7 +10949,7 @@
         <p:spPr>
           <a:xfrm>
             <a:off x="583200" y="450720"/>
-            <a:ext cx="7198560" cy="512640"/>
+            <a:ext cx="7198200" cy="512280"/>
           </a:xfrm>
           <a:prstGeom prst="rect">
             <a:avLst/>
@@ -11031,7 +11031,7 @@
         <p:spPr>
           <a:xfrm>
             <a:off x="586440" y="1246680"/>
-            <a:ext cx="4004640" cy="3600360"/>
+            <a:ext cx="4004280" cy="3600000"/>
           </a:xfrm>
           <a:prstGeom prst="rect">
             <a:avLst/>
@@ -11083,7 +11083,7 @@
         <p:spPr>
           <a:xfrm>
             <a:off x="559800" y="446040"/>
-            <a:ext cx="4284000" cy="684000"/>
+            <a:ext cx="4283640" cy="683640"/>
           </a:xfrm>
           <a:prstGeom prst="rect">
             <a:avLst/>
@@ -11135,7 +11135,7 @@
         <p:spPr>
           <a:xfrm>
             <a:off x="5097600" y="360"/>
-            <a:ext cx="4380120" cy="5144400"/>
+            <a:ext cx="4379760" cy="5144040"/>
           </a:xfrm>
           <a:prstGeom prst="roundRect">
             <a:avLst>
@@ -11200,8 +11200,8 @@
         </p:nvSpPr>
         <p:spPr>
           <a:xfrm rot="2744400">
-            <a:off x="-281520" y="-25920"/>
-            <a:ext cx="704880" cy="704520"/>
+            <a:off x="-281160" y="-25920"/>
+            <a:ext cx="704520" cy="704160"/>
           </a:xfrm>
           <a:prstGeom prst="roundRect">
             <a:avLst>
@@ -11239,7 +11239,7 @@
         <p:spPr>
           <a:xfrm rot="2625600">
             <a:off x="4861080" y="4146840"/>
-            <a:ext cx="468720" cy="468720"/>
+            <a:ext cx="468360" cy="468360"/>
           </a:xfrm>
           <a:prstGeom prst="roundRect">
             <a:avLst>
@@ -11313,8 +11313,8 @@
         </p:nvSpPr>
         <p:spPr>
           <a:xfrm rot="2744400">
-            <a:off x="-350640" y="4540320"/>
-            <a:ext cx="704880" cy="704520"/>
+            <a:off x="-350280" y="4539960"/>
+            <a:ext cx="704520" cy="704160"/>
           </a:xfrm>
           <a:prstGeom prst="roundRect">
             <a:avLst>
@@ -11351,8 +11351,8 @@
         </p:nvSpPr>
         <p:spPr>
           <a:xfrm rot="19228200">
-            <a:off x="5846760" y="-2266920"/>
-            <a:ext cx="4855680" cy="7726680"/>
+            <a:off x="5846400" y="-2266560"/>
+            <a:ext cx="4855320" cy="7726320"/>
           </a:xfrm>
           <a:prstGeom prst="roundRect">
             <a:avLst>
@@ -11390,9 +11390,9 @@
         <p:grpSpPr>
           <a:xfrm>
             <a:off x="4571640" y="828000"/>
-            <a:ext cx="4468680" cy="3564720"/>
+            <a:ext cx="4468320" cy="3564360"/>
             <a:chOff x="4571640" y="828000"/>
-            <a:chExt cx="4468680" cy="3564720"/>
+            <a:chExt cx="4468320" cy="3564360"/>
           </a:xfrm>
         </p:grpSpPr>
         <p:pic>
@@ -11408,7 +11408,7 @@
           <p:spPr>
             <a:xfrm>
               <a:off x="4571640" y="828000"/>
-              <a:ext cx="4468680" cy="3564720"/>
+              <a:ext cx="4468320" cy="3564360"/>
             </a:xfrm>
             <a:prstGeom prst="rect">
               <a:avLst/>
@@ -11426,8 +11426,8 @@
           </p:nvSpPr>
           <p:spPr>
             <a:xfrm rot="16200000">
-              <a:off x="5962680" y="1158480"/>
-              <a:ext cx="1737720" cy="2771640"/>
+              <a:off x="5962680" y="1158840"/>
+              <a:ext cx="1737360" cy="2771280"/>
             </a:xfrm>
             <a:prstGeom prst="roundRect">
               <a:avLst>
@@ -11494,7 +11494,7 @@
         <p:spPr>
           <a:xfrm>
             <a:off x="586440" y="1246680"/>
-            <a:ext cx="4004640" cy="3600360"/>
+            <a:ext cx="4004280" cy="3600000"/>
           </a:xfrm>
           <a:prstGeom prst="rect">
             <a:avLst/>
@@ -11546,7 +11546,7 @@
         <p:spPr>
           <a:xfrm>
             <a:off x="5446080" y="1672200"/>
-            <a:ext cx="2780640" cy="1737720"/>
+            <a:ext cx="2780280" cy="1737360"/>
           </a:xfrm>
           <a:prstGeom prst="rect">
             <a:avLst/>
@@ -11598,7 +11598,7 @@
         <p:spPr>
           <a:xfrm>
             <a:off x="586440" y="453960"/>
-            <a:ext cx="3697200" cy="855720"/>
+            <a:ext cx="3696840" cy="855360"/>
           </a:xfrm>
           <a:prstGeom prst="rect">
             <a:avLst/>
@@ -11686,8 +11686,8 @@
         </p:nvSpPr>
         <p:spPr>
           <a:xfrm rot="2744400">
-            <a:off x="-281520" y="-25920"/>
-            <a:ext cx="704880" cy="704520"/>
+            <a:off x="-281160" y="-25920"/>
+            <a:ext cx="704520" cy="704160"/>
           </a:xfrm>
           <a:prstGeom prst="roundRect">
             <a:avLst>
@@ -11725,7 +11725,7 @@
         <p:spPr>
           <a:xfrm>
             <a:off x="569160" y="1888920"/>
-            <a:ext cx="4821480" cy="820800"/>
+            <a:ext cx="4821120" cy="820800"/>
           </a:xfrm>
           <a:prstGeom prst="rect">
             <a:avLst/>
@@ -11776,8 +11776,8 @@
         </p:nvSpPr>
         <p:spPr>
           <a:xfrm rot="18679800">
-            <a:off x="6782400" y="457560"/>
-            <a:ext cx="6251040" cy="4666680"/>
+            <a:off x="6782040" y="457560"/>
+            <a:ext cx="6250680" cy="4666320"/>
           </a:xfrm>
           <a:prstGeom prst="roundRect">
             <a:avLst>
@@ -11815,7 +11815,7 @@
         <p:spPr>
           <a:xfrm rot="2625600">
             <a:off x="6024960" y="4332960"/>
-            <a:ext cx="468720" cy="468720"/>
+            <a:ext cx="468360" cy="468360"/>
           </a:xfrm>
           <a:prstGeom prst="roundRect">
             <a:avLst>
@@ -11853,7 +11853,7 @@
         <p:spPr>
           <a:xfrm>
             <a:off x="1640880" y="4592880"/>
-            <a:ext cx="2995920" cy="266760"/>
+            <a:ext cx="2995560" cy="266400"/>
           </a:xfrm>
           <a:prstGeom prst="rect">
             <a:avLst/>
@@ -11915,7 +11915,7 @@
         <p:spPr>
           <a:xfrm>
             <a:off x="867240" y="3590280"/>
-            <a:ext cx="253800" cy="254160"/>
+            <a:ext cx="253440" cy="253800"/>
           </a:xfrm>
           <a:prstGeom prst="ellipse">
             <a:avLst/>
@@ -11950,7 +11950,7 @@
         <p:spPr>
           <a:xfrm>
             <a:off x="351000" y="3793320"/>
-            <a:ext cx="1286280" cy="1131840"/>
+            <a:ext cx="1285920" cy="1131480"/>
           </a:xfrm>
           <a:prstGeom prst="rect">
             <a:avLst/>
@@ -12005,8 +12005,8 @@
         </p:nvSpPr>
         <p:spPr>
           <a:xfrm rot="2744400">
-            <a:off x="-350640" y="4540320"/>
-            <a:ext cx="704880" cy="704520"/>
+            <a:off x="-350280" y="4539960"/>
+            <a:ext cx="704520" cy="704160"/>
           </a:xfrm>
           <a:prstGeom prst="roundRect">
             <a:avLst>
@@ -12043,8 +12043,8 @@
         </p:nvSpPr>
         <p:spPr>
           <a:xfrm rot="19228200">
-            <a:off x="5846760" y="-2266920"/>
-            <a:ext cx="4855680" cy="7726680"/>
+            <a:off x="5846400" y="-2266560"/>
+            <a:ext cx="4855320" cy="7726320"/>
           </a:xfrm>
           <a:prstGeom prst="roundRect">
             <a:avLst>
@@ -12082,9 +12082,9 @@
         <p:grpSpPr>
           <a:xfrm>
             <a:off x="4571640" y="828000"/>
-            <a:ext cx="4468680" cy="3564720"/>
+            <a:ext cx="4468320" cy="3564360"/>
             <a:chOff x="4571640" y="828000"/>
-            <a:chExt cx="4468680" cy="3564720"/>
+            <a:chExt cx="4468320" cy="3564360"/>
           </a:xfrm>
         </p:grpSpPr>
         <p:pic>
@@ -12100,7 +12100,7 @@
           <p:spPr>
             <a:xfrm>
               <a:off x="4571640" y="828000"/>
-              <a:ext cx="4468680" cy="3564720"/>
+              <a:ext cx="4468320" cy="3564360"/>
             </a:xfrm>
             <a:prstGeom prst="rect">
               <a:avLst/>
@@ -12118,8 +12118,8 @@
           </p:nvSpPr>
           <p:spPr>
             <a:xfrm rot="16200000">
-              <a:off x="5962680" y="1158480"/>
-              <a:ext cx="1737720" cy="2771640"/>
+              <a:off x="5962680" y="1158840"/>
+              <a:ext cx="1737360" cy="2771280"/>
             </a:xfrm>
             <a:prstGeom prst="roundRect">
               <a:avLst>
@@ -12186,7 +12186,7 @@
         <p:spPr>
           <a:xfrm>
             <a:off x="586440" y="1246680"/>
-            <a:ext cx="4004640" cy="3600360"/>
+            <a:ext cx="4004280" cy="3600000"/>
           </a:xfrm>
           <a:prstGeom prst="rect">
             <a:avLst/>
@@ -12238,7 +12238,7 @@
         <p:spPr>
           <a:xfrm>
             <a:off x="5446080" y="1672200"/>
-            <a:ext cx="2780640" cy="1737720"/>
+            <a:ext cx="2780280" cy="1737360"/>
           </a:xfrm>
           <a:prstGeom prst="rect">
             <a:avLst/>
@@ -12290,7 +12290,7 @@
         <p:spPr>
           <a:xfrm>
             <a:off x="586440" y="453960"/>
-            <a:ext cx="3697200" cy="855720"/>
+            <a:ext cx="3696840" cy="855360"/>
           </a:xfrm>
           <a:prstGeom prst="rect">
             <a:avLst/>
@@ -12379,7 +12379,7 @@
         <p:spPr>
           <a:xfrm>
             <a:off x="4222080" y="1246680"/>
-            <a:ext cx="4115520" cy="3600360"/>
+            <a:ext cx="4115160" cy="3600000"/>
           </a:xfrm>
           <a:prstGeom prst="rect">
             <a:avLst/>
@@ -12430,8 +12430,8 @@
         </p:nvSpPr>
         <p:spPr>
           <a:xfrm rot="16200000">
-            <a:off x="-2181600" y="1733040"/>
-            <a:ext cx="5144400" cy="1684440"/>
+            <a:off x="-2181600" y="1733400"/>
+            <a:ext cx="5144040" cy="1684080"/>
           </a:xfrm>
           <a:prstGeom prst="roundRect">
             <a:avLst>
@@ -12468,8 +12468,8 @@
         </p:nvSpPr>
         <p:spPr>
           <a:xfrm rot="2745000">
-            <a:off x="8575200" y="104040"/>
-            <a:ext cx="1132920" cy="1132560"/>
+            <a:off x="8575200" y="103680"/>
+            <a:ext cx="1132560" cy="1132200"/>
           </a:xfrm>
           <a:prstGeom prst="roundRect">
             <a:avLst>
@@ -12506,8 +12506,8 @@
         </p:nvSpPr>
         <p:spPr>
           <a:xfrm rot="16200000">
-            <a:off x="614880" y="918360"/>
-            <a:ext cx="3232440" cy="3314160"/>
+            <a:off x="614880" y="918720"/>
+            <a:ext cx="3232080" cy="3313800"/>
           </a:xfrm>
           <a:prstGeom prst="roundRect">
             <a:avLst>
@@ -12573,7 +12573,7 @@
         <p:spPr>
           <a:xfrm>
             <a:off x="4214160" y="456120"/>
-            <a:ext cx="4112280" cy="855720"/>
+            <a:ext cx="4111920" cy="855360"/>
           </a:xfrm>
           <a:prstGeom prst="rect">
             <a:avLst/>
@@ -12661,8 +12661,8 @@
         </p:nvSpPr>
         <p:spPr>
           <a:xfrm rot="2744400">
-            <a:off x="-281520" y="-25920"/>
-            <a:ext cx="704880" cy="704520"/>
+            <a:off x="-281160" y="-25920"/>
+            <a:ext cx="704520" cy="704160"/>
           </a:xfrm>
           <a:prstGeom prst="roundRect">
             <a:avLst>
@@ -12700,7 +12700,7 @@
         <p:spPr>
           <a:xfrm rot="2332200">
             <a:off x="6009480" y="-319680"/>
-            <a:ext cx="4856040" cy="7727040"/>
+            <a:ext cx="4855680" cy="7726680"/>
           </a:xfrm>
           <a:prstGeom prst="roundRect">
             <a:avLst>
@@ -12738,9 +12738,9 @@
         <p:grpSpPr>
           <a:xfrm>
             <a:off x="4571640" y="828000"/>
-            <a:ext cx="4468680" cy="3564720"/>
+            <a:ext cx="4468320" cy="3564360"/>
             <a:chOff x="4571640" y="828000"/>
-            <a:chExt cx="4468680" cy="3564720"/>
+            <a:chExt cx="4468320" cy="3564360"/>
           </a:xfrm>
         </p:grpSpPr>
         <p:pic>
@@ -12756,7 +12756,7 @@
           <p:spPr>
             <a:xfrm>
               <a:off x="4571640" y="828000"/>
-              <a:ext cx="4468680" cy="3564720"/>
+              <a:ext cx="4468320" cy="3564360"/>
             </a:xfrm>
             <a:prstGeom prst="rect">
               <a:avLst/>
@@ -12774,8 +12774,8 @@
           </p:nvSpPr>
           <p:spPr>
             <a:xfrm rot="16200000">
-              <a:off x="5962680" y="1158480"/>
-              <a:ext cx="1737720" cy="2771640"/>
+              <a:off x="5962680" y="1158840"/>
+              <a:ext cx="1737360" cy="2771280"/>
             </a:xfrm>
             <a:prstGeom prst="roundRect">
               <a:avLst>
@@ -12842,7 +12842,7 @@
         <p:spPr>
           <a:xfrm>
             <a:off x="5446080" y="1672200"/>
-            <a:ext cx="2771280" cy="1737720"/>
+            <a:ext cx="2770920" cy="1737360"/>
           </a:xfrm>
           <a:prstGeom prst="rect">
             <a:avLst/>
@@ -12894,7 +12894,7 @@
         <p:spPr>
           <a:xfrm>
             <a:off x="586440" y="1246680"/>
-            <a:ext cx="4004640" cy="3600360"/>
+            <a:ext cx="4004280" cy="3600000"/>
           </a:xfrm>
           <a:prstGeom prst="rect">
             <a:avLst/>
@@ -12946,7 +12946,7 @@
         <p:spPr>
           <a:xfrm>
             <a:off x="586440" y="453960"/>
-            <a:ext cx="4764600" cy="855720"/>
+            <a:ext cx="4764240" cy="855360"/>
           </a:xfrm>
           <a:prstGeom prst="rect">
             <a:avLst/>
@@ -13035,7 +13035,7 @@
         <p:spPr>
           <a:xfrm rot="2745600">
             <a:off x="8349840" y="-668160"/>
-            <a:ext cx="1498680" cy="1498680"/>
+            <a:ext cx="1498320" cy="1498320"/>
           </a:xfrm>
           <a:prstGeom prst="roundRect">
             <a:avLst>
@@ -13072,8 +13072,8 @@
         </p:nvSpPr>
         <p:spPr>
           <a:xfrm rot="2745600">
-            <a:off x="7634160" y="-322560"/>
-            <a:ext cx="807480" cy="807840"/>
+            <a:off x="7634160" y="-322200"/>
+            <a:ext cx="807120" cy="807480"/>
           </a:xfrm>
           <a:prstGeom prst="roundRect">
             <a:avLst>
@@ -13112,7 +13112,7 @@
         <p:spPr>
           <a:xfrm>
             <a:off x="586440" y="899640"/>
-            <a:ext cx="7932240" cy="1537560"/>
+            <a:ext cx="7931880" cy="1537200"/>
           </a:xfrm>
           <a:prstGeom prst="rect">
             <a:avLst/>
@@ -13164,7 +13164,7 @@
         <p:spPr>
           <a:xfrm>
             <a:off x="608040" y="2545560"/>
-            <a:ext cx="3712680" cy="2256120"/>
+            <a:ext cx="3712320" cy="2255760"/>
           </a:xfrm>
           <a:prstGeom prst="rect">
             <a:avLst/>
@@ -13216,7 +13216,7 @@
         <p:spPr>
           <a:xfrm>
             <a:off x="4806360" y="2545560"/>
-            <a:ext cx="3712680" cy="2256120"/>
+            <a:ext cx="3712320" cy="2255760"/>
           </a:xfrm>
           <a:prstGeom prst="rect">
             <a:avLst/>
@@ -13268,7 +13268,7 @@
         <p:spPr>
           <a:xfrm>
             <a:off x="583200" y="450720"/>
-            <a:ext cx="7198560" cy="512640"/>
+            <a:ext cx="7198200" cy="512280"/>
           </a:xfrm>
           <a:prstGeom prst="rect">
             <a:avLst/>
@@ -13350,7 +13350,7 @@
         <p:spPr>
           <a:xfrm>
             <a:off x="586440" y="1246680"/>
-            <a:ext cx="4004640" cy="3600360"/>
+            <a:ext cx="4004280" cy="3600000"/>
           </a:xfrm>
           <a:prstGeom prst="rect">
             <a:avLst/>
@@ -13402,7 +13402,7 @@
         <p:spPr>
           <a:xfrm>
             <a:off x="559800" y="446040"/>
-            <a:ext cx="4284000" cy="684000"/>
+            <a:ext cx="4283640" cy="683640"/>
           </a:xfrm>
           <a:prstGeom prst="rect">
             <a:avLst/>
@@ -13454,7 +13454,7 @@
         <p:spPr>
           <a:xfrm>
             <a:off x="5097600" y="360"/>
-            <a:ext cx="4380120" cy="5144400"/>
+            <a:ext cx="4379760" cy="5144040"/>
           </a:xfrm>
           <a:prstGeom prst="roundRect">
             <a:avLst>
@@ -13519,8 +13519,8 @@
         </p:nvSpPr>
         <p:spPr>
           <a:xfrm rot="2744400">
-            <a:off x="-281520" y="-25920"/>
-            <a:ext cx="704880" cy="704520"/>
+            <a:off x="-281160" y="-25920"/>
+            <a:ext cx="704520" cy="704160"/>
           </a:xfrm>
           <a:prstGeom prst="roundRect">
             <a:avLst>
@@ -13558,7 +13558,7 @@
         <p:spPr>
           <a:xfrm rot="2625600">
             <a:off x="4861080" y="4146840"/>
-            <a:ext cx="468720" cy="468720"/>
+            <a:ext cx="468360" cy="468360"/>
           </a:xfrm>
           <a:prstGeom prst="roundRect">
             <a:avLst>
@@ -13632,8 +13632,8 @@
         </p:nvSpPr>
         <p:spPr>
           <a:xfrm rot="2744400">
-            <a:off x="-350640" y="4540320"/>
-            <a:ext cx="704880" cy="704520"/>
+            <a:off x="-350280" y="4539960"/>
+            <a:ext cx="704520" cy="704160"/>
           </a:xfrm>
           <a:prstGeom prst="roundRect">
             <a:avLst>
@@ -13670,8 +13670,8 @@
         </p:nvSpPr>
         <p:spPr>
           <a:xfrm rot="19228200">
-            <a:off x="5846760" y="-2266920"/>
-            <a:ext cx="4855680" cy="7726680"/>
+            <a:off x="5846400" y="-2266560"/>
+            <a:ext cx="4855320" cy="7726320"/>
           </a:xfrm>
           <a:prstGeom prst="roundRect">
             <a:avLst>
@@ -13709,9 +13709,9 @@
         <p:grpSpPr>
           <a:xfrm>
             <a:off x="4571640" y="828000"/>
-            <a:ext cx="4468680" cy="3564720"/>
+            <a:ext cx="4468320" cy="3564360"/>
             <a:chOff x="4571640" y="828000"/>
-            <a:chExt cx="4468680" cy="3564720"/>
+            <a:chExt cx="4468320" cy="3564360"/>
           </a:xfrm>
         </p:grpSpPr>
         <p:pic>
@@ -13727,7 +13727,7 @@
           <p:spPr>
             <a:xfrm>
               <a:off x="4571640" y="828000"/>
-              <a:ext cx="4468680" cy="3564720"/>
+              <a:ext cx="4468320" cy="3564360"/>
             </a:xfrm>
             <a:prstGeom prst="rect">
               <a:avLst/>
@@ -13745,8 +13745,8 @@
           </p:nvSpPr>
           <p:spPr>
             <a:xfrm rot="16200000">
-              <a:off x="5962680" y="1158480"/>
-              <a:ext cx="1737720" cy="2771640"/>
+              <a:off x="5962680" y="1158840"/>
+              <a:ext cx="1737360" cy="2771280"/>
             </a:xfrm>
             <a:prstGeom prst="roundRect">
               <a:avLst>
@@ -13813,7 +13813,7 @@
         <p:spPr>
           <a:xfrm>
             <a:off x="586440" y="1246680"/>
-            <a:ext cx="4004640" cy="3600360"/>
+            <a:ext cx="4004280" cy="3600000"/>
           </a:xfrm>
           <a:prstGeom prst="rect">
             <a:avLst/>
@@ -13865,7 +13865,7 @@
         <p:spPr>
           <a:xfrm>
             <a:off x="5446080" y="1672200"/>
-            <a:ext cx="2780640" cy="1737720"/>
+            <a:ext cx="2780280" cy="1737360"/>
           </a:xfrm>
           <a:prstGeom prst="rect">
             <a:avLst/>
@@ -13917,7 +13917,7 @@
         <p:spPr>
           <a:xfrm>
             <a:off x="586440" y="453960"/>
-            <a:ext cx="3697200" cy="855720"/>
+            <a:ext cx="3696840" cy="855360"/>
           </a:xfrm>
           <a:prstGeom prst="rect">
             <a:avLst/>
@@ -14006,7 +14006,7 @@
         <p:spPr>
           <a:xfrm>
             <a:off x="4222080" y="1246680"/>
-            <a:ext cx="4115520" cy="3600360"/>
+            <a:ext cx="4115160" cy="3600000"/>
           </a:xfrm>
           <a:prstGeom prst="rect">
             <a:avLst/>
@@ -14057,8 +14057,8 @@
         </p:nvSpPr>
         <p:spPr>
           <a:xfrm rot="16200000">
-            <a:off x="-2181600" y="1733040"/>
-            <a:ext cx="5144400" cy="1684440"/>
+            <a:off x="-2181600" y="1733400"/>
+            <a:ext cx="5144040" cy="1684080"/>
           </a:xfrm>
           <a:prstGeom prst="roundRect">
             <a:avLst>
@@ -14095,8 +14095,8 @@
         </p:nvSpPr>
         <p:spPr>
           <a:xfrm rot="2745000">
-            <a:off x="8575200" y="104040"/>
-            <a:ext cx="1132920" cy="1132560"/>
+            <a:off x="8575200" y="103680"/>
+            <a:ext cx="1132560" cy="1132200"/>
           </a:xfrm>
           <a:prstGeom prst="roundRect">
             <a:avLst>
@@ -14133,8 +14133,8 @@
         </p:nvSpPr>
         <p:spPr>
           <a:xfrm rot="16200000">
-            <a:off x="614880" y="918360"/>
-            <a:ext cx="3232440" cy="3314160"/>
+            <a:off x="614880" y="918720"/>
+            <a:ext cx="3232080" cy="3313800"/>
           </a:xfrm>
           <a:prstGeom prst="roundRect">
             <a:avLst>
@@ -14200,7 +14200,7 @@
         <p:spPr>
           <a:xfrm>
             <a:off x="4214160" y="456120"/>
-            <a:ext cx="4112280" cy="855720"/>
+            <a:ext cx="4111920" cy="855360"/>
           </a:xfrm>
           <a:prstGeom prst="rect">
             <a:avLst/>
